--- a/2025-SPR/Week15.pptx
+++ b/2025-SPR/Week15.pptx
@@ -3492,7 +3492,7 @@
           <a:p>
             <a:r>
               <a:rPr lang="en-US" dirty="0"/>
-              <a:t>Final Project (Due: 12-11-2024 11:59PM)</a:t>
+              <a:t>Final Project (Due: 05-08-2025 11:59PM)</a:t>
             </a:r>
           </a:p>
           <a:p>
@@ -3740,13 +3740,8 @@
           <a:p>
             <a:r>
               <a:rPr lang="en-US" dirty="0"/>
-              <a:t>Group 4: Salvador/Caleb/Tyreak</a:t>
-            </a:r>
-            <a:r>
-              <a:rPr lang="en-US"/>
-              <a:t>/Taylor</a:t>
-            </a:r>
-            <a:endParaRPr lang="en-US" dirty="0"/>
+              <a:t>Group 4: Salvador/Caleb/Tyreak/Taylor</a:t>
+            </a:r>
           </a:p>
         </p:txBody>
       </p:sp>
